--- a/doc/world_models.pptx
+++ b/doc/world_models.pptx
@@ -6,25 +6,26 @@
   </p:sldMasterIdLst>
   <p:sldIdLst>
     <p:sldId id="256" r:id="rId2"/>
-    <p:sldId id="271" r:id="rId3"/>
-    <p:sldId id="258" r:id="rId4"/>
-    <p:sldId id="259" r:id="rId5"/>
-    <p:sldId id="277" r:id="rId6"/>
-    <p:sldId id="278" r:id="rId7"/>
-    <p:sldId id="279" r:id="rId8"/>
-    <p:sldId id="260" r:id="rId9"/>
-    <p:sldId id="280" r:id="rId10"/>
-    <p:sldId id="261" r:id="rId11"/>
-    <p:sldId id="281" r:id="rId12"/>
-    <p:sldId id="282" r:id="rId13"/>
-    <p:sldId id="283" r:id="rId14"/>
-    <p:sldId id="273" r:id="rId15"/>
-    <p:sldId id="267" r:id="rId16"/>
-    <p:sldId id="274" r:id="rId17"/>
-    <p:sldId id="268" r:id="rId18"/>
-    <p:sldId id="269" r:id="rId19"/>
-    <p:sldId id="270" r:id="rId20"/>
-    <p:sldId id="275" r:id="rId21"/>
+    <p:sldId id="284" r:id="rId3"/>
+    <p:sldId id="271" r:id="rId4"/>
+    <p:sldId id="258" r:id="rId5"/>
+    <p:sldId id="259" r:id="rId6"/>
+    <p:sldId id="277" r:id="rId7"/>
+    <p:sldId id="278" r:id="rId8"/>
+    <p:sldId id="279" r:id="rId9"/>
+    <p:sldId id="260" r:id="rId10"/>
+    <p:sldId id="280" r:id="rId11"/>
+    <p:sldId id="261" r:id="rId12"/>
+    <p:sldId id="281" r:id="rId13"/>
+    <p:sldId id="282" r:id="rId14"/>
+    <p:sldId id="283" r:id="rId15"/>
+    <p:sldId id="273" r:id="rId16"/>
+    <p:sldId id="267" r:id="rId17"/>
+    <p:sldId id="274" r:id="rId18"/>
+    <p:sldId id="268" r:id="rId19"/>
+    <p:sldId id="269" r:id="rId20"/>
+    <p:sldId id="270" r:id="rId21"/>
+    <p:sldId id="275" r:id="rId22"/>
   </p:sldIdLst>
   <p:sldSz cx="12192000" cy="6858000"/>
   <p:notesSz cx="6858000" cy="9144000"/>
@@ -129,6 +130,7 @@
         <p14:section name="Introduction to World Models" id="{92C1F7FD-4999-409F-8AE6-5AC9EFA4FBCF}">
           <p14:sldIdLst>
             <p14:sldId id="256"/>
+            <p14:sldId id="284"/>
             <p14:sldId id="271"/>
             <p14:sldId id="258"/>
             <p14:sldId id="259"/>
@@ -155,6 +157,9 @@
           </p14:sldIdLst>
         </p14:section>
       </p14:sectionLst>
+    </p:ext>
+    <p:ext uri="{EFAFB233-063F-42B5-8137-9DF3F51BA10A}">
+      <p15:sldGuideLst xmlns:p15="http://schemas.microsoft.com/office/powerpoint/2012/main"/>
     </p:ext>
   </p:extLst>
 </p:presentation>
@@ -443,7 +448,7 @@
           <a:p>
             <a:fld id="{E80C50CD-E178-4744-9B35-B2F624D6C5E9}" type="datetimeFigureOut">
               <a:rPr lang="en-US" smtClean="0"/>
-              <a:t>3/23/2025</a:t>
+              <a:t>3/31/2025</a:t>
             </a:fld>
             <a:endParaRPr lang="en-US"/>
           </a:p>
@@ -641,7 +646,7 @@
           <a:p>
             <a:fld id="{E80C50CD-E178-4744-9B35-B2F624D6C5E9}" type="datetimeFigureOut">
               <a:rPr lang="en-US" smtClean="0"/>
-              <a:t>3/23/2025</a:t>
+              <a:t>3/31/2025</a:t>
             </a:fld>
             <a:endParaRPr lang="en-US"/>
           </a:p>
@@ -849,7 +854,7 @@
           <a:p>
             <a:fld id="{E80C50CD-E178-4744-9B35-B2F624D6C5E9}" type="datetimeFigureOut">
               <a:rPr lang="en-US" smtClean="0"/>
-              <a:t>3/23/2025</a:t>
+              <a:t>3/31/2025</a:t>
             </a:fld>
             <a:endParaRPr lang="en-US"/>
           </a:p>
@@ -1099,7 +1104,7 @@
           <a:p>
             <a:fld id="{E80C50CD-E178-4744-9B35-B2F624D6C5E9}" type="datetimeFigureOut">
               <a:rPr lang="en-US" smtClean="0"/>
-              <a:t>3/23/2025</a:t>
+              <a:t>3/31/2025</a:t>
             </a:fld>
             <a:endParaRPr lang="en-US"/>
           </a:p>
@@ -1378,7 +1383,7 @@
           <a:p>
             <a:fld id="{E80C50CD-E178-4744-9B35-B2F624D6C5E9}" type="datetimeFigureOut">
               <a:rPr lang="en-US" smtClean="0"/>
-              <a:t>3/23/2025</a:t>
+              <a:t>3/31/2025</a:t>
             </a:fld>
             <a:endParaRPr lang="en-US"/>
           </a:p>
@@ -1695,7 +1700,7 @@
           <a:p>
             <a:fld id="{E80C50CD-E178-4744-9B35-B2F624D6C5E9}" type="datetimeFigureOut">
               <a:rPr lang="en-US" smtClean="0"/>
-              <a:t>3/23/2025</a:t>
+              <a:t>3/31/2025</a:t>
             </a:fld>
             <a:endParaRPr lang="en-US"/>
           </a:p>
@@ -2111,7 +2116,7 @@
           <a:p>
             <a:fld id="{E80C50CD-E178-4744-9B35-B2F624D6C5E9}" type="datetimeFigureOut">
               <a:rPr lang="en-US" smtClean="0"/>
-              <a:t>3/23/2025</a:t>
+              <a:t>3/31/2025</a:t>
             </a:fld>
             <a:endParaRPr lang="en-US"/>
           </a:p>
@@ -2252,7 +2257,7 @@
           <a:p>
             <a:fld id="{E80C50CD-E178-4744-9B35-B2F624D6C5E9}" type="datetimeFigureOut">
               <a:rPr lang="en-US" smtClean="0"/>
-              <a:t>3/23/2025</a:t>
+              <a:t>3/31/2025</a:t>
             </a:fld>
             <a:endParaRPr lang="en-US"/>
           </a:p>
@@ -2365,7 +2370,7 @@
           <a:p>
             <a:fld id="{E80C50CD-E178-4744-9B35-B2F624D6C5E9}" type="datetimeFigureOut">
               <a:rPr lang="en-US" smtClean="0"/>
-              <a:t>3/23/2025</a:t>
+              <a:t>3/31/2025</a:t>
             </a:fld>
             <a:endParaRPr lang="en-US"/>
           </a:p>
@@ -2682,7 +2687,7 @@
           <a:p>
             <a:fld id="{E80C50CD-E178-4744-9B35-B2F624D6C5E9}" type="datetimeFigureOut">
               <a:rPr lang="en-US" smtClean="0"/>
-              <a:t>3/23/2025</a:t>
+              <a:t>3/31/2025</a:t>
             </a:fld>
             <a:endParaRPr lang="en-US"/>
           </a:p>
@@ -2974,7 +2979,7 @@
           <a:p>
             <a:fld id="{E80C50CD-E178-4744-9B35-B2F624D6C5E9}" type="datetimeFigureOut">
               <a:rPr lang="en-US" smtClean="0"/>
-              <a:t>3/23/2025</a:t>
+              <a:t>3/31/2025</a:t>
             </a:fld>
             <a:endParaRPr lang="en-US"/>
           </a:p>
@@ -3214,7 +3219,7 @@
             <a:fld id="{E80C50CD-E178-4744-9B35-B2F624D6C5E9}" type="datetimeFigureOut">
               <a:rPr lang="en-US" smtClean="0"/>
               <a:pPr/>
-              <a:t>3/23/2025</a:t>
+              <a:t>3/31/2025</a:t>
             </a:fld>
             <a:endParaRPr lang="en-US"/>
           </a:p>
@@ -4154,6 +4159,89 @@
 <file path=ppt/slides/slide10.xml><?xml version="1.0" encoding="utf-8"?>
 <p:sld xmlns:a="http://schemas.openxmlformats.org/drawingml/2006/main" xmlns:r="http://schemas.openxmlformats.org/officeDocument/2006/relationships" xmlns:p="http://schemas.openxmlformats.org/presentationml/2006/main">
   <p:cSld>
+    <p:spTree>
+      <p:nvGrpSpPr>
+        <p:cNvPr id="1" name=""/>
+        <p:cNvGrpSpPr/>
+        <p:nvPr/>
+      </p:nvGrpSpPr>
+      <p:grpSpPr>
+        <a:xfrm>
+          <a:off x="0" y="0"/>
+          <a:ext cx="0" cy="0"/>
+          <a:chOff x="0" y="0"/>
+          <a:chExt cx="0" cy="0"/>
+        </a:xfrm>
+      </p:grpSpPr>
+      <p:sp>
+        <p:nvSpPr>
+          <p:cNvPr id="6" name="Title 5">
+            <a:extLst>
+              <a:ext uri="{FF2B5EF4-FFF2-40B4-BE49-F238E27FC236}">
+                <a16:creationId xmlns:a16="http://schemas.microsoft.com/office/drawing/2014/main" id="{68F6A75A-61ED-A2F8-7AFC-A2A85E9F08D9}"/>
+              </a:ext>
+            </a:extLst>
+          </p:cNvPr>
+          <p:cNvSpPr>
+            <a:spLocks noGrp="1"/>
+          </p:cNvSpPr>
+          <p:nvPr>
+            <p:ph type="title"/>
+          </p:nvPr>
+        </p:nvSpPr>
+        <p:spPr/>
+        <p:txBody>
+          <a:bodyPr/>
+          <a:lstStyle/>
+          <a:p>
+            <a:r>
+              <a:rPr lang="en-US" dirty="0"/>
+              <a:t>Dreaming in Atari</a:t>
+            </a:r>
+          </a:p>
+        </p:txBody>
+      </p:sp>
+      <p:sp>
+        <p:nvSpPr>
+          <p:cNvPr id="7" name="Content Placeholder 6">
+            <a:extLst>
+              <a:ext uri="{FF2B5EF4-FFF2-40B4-BE49-F238E27FC236}">
+                <a16:creationId xmlns:a16="http://schemas.microsoft.com/office/drawing/2014/main" id="{995B7FEB-6B95-7FAB-882B-0FD83D78B459}"/>
+              </a:ext>
+            </a:extLst>
+          </p:cNvPr>
+          <p:cNvSpPr>
+            <a:spLocks noGrp="1"/>
+          </p:cNvSpPr>
+          <p:nvPr>
+            <p:ph idx="1"/>
+          </p:nvPr>
+        </p:nvSpPr>
+        <p:spPr/>
+        <p:txBody>
+          <a:bodyPr/>
+          <a:lstStyle/>
+          <a:p>
+            <a:endParaRPr lang="en-US"/>
+          </a:p>
+        </p:txBody>
+      </p:sp>
+    </p:spTree>
+    <p:extLst>
+      <p:ext uri="{BB962C8B-B14F-4D97-AF65-F5344CB8AC3E}">
+        <p14:creationId xmlns:p14="http://schemas.microsoft.com/office/powerpoint/2010/main" val="1835086324"/>
+      </p:ext>
+    </p:extLst>
+  </p:cSld>
+  <p:clrMapOvr>
+    <a:masterClrMapping/>
+  </p:clrMapOvr>
+</p:sld>
+</file>
+
+<file path=ppt/slides/slide11.xml><?xml version="1.0" encoding="utf-8"?>
+<p:sld xmlns:a="http://schemas.openxmlformats.org/drawingml/2006/main" xmlns:r="http://schemas.openxmlformats.org/officeDocument/2006/relationships" xmlns:p="http://schemas.openxmlformats.org/presentationml/2006/main">
+  <p:cSld>
     <p:bg>
       <p:bgPr>
         <a:solidFill>
@@ -4795,7 +4883,7 @@
 </p:sld>
 </file>
 
-<file path=ppt/slides/slide11.xml><?xml version="1.0" encoding="utf-8"?>
+<file path=ppt/slides/slide12.xml><?xml version="1.0" encoding="utf-8"?>
 <p:sld xmlns:a="http://schemas.openxmlformats.org/drawingml/2006/main" xmlns:r="http://schemas.openxmlformats.org/officeDocument/2006/relationships" xmlns:p="http://schemas.openxmlformats.org/presentationml/2006/main">
   <p:cSld>
     <p:spTree>
@@ -4884,7 +4972,7 @@
 </p:sld>
 </file>
 
-<file path=ppt/slides/slide12.xml><?xml version="1.0" encoding="utf-8"?>
+<file path=ppt/slides/slide13.xml><?xml version="1.0" encoding="utf-8"?>
 <p:sld xmlns:a="http://schemas.openxmlformats.org/drawingml/2006/main" xmlns:r="http://schemas.openxmlformats.org/officeDocument/2006/relationships" xmlns:p="http://schemas.openxmlformats.org/presentationml/2006/main">
   <p:cSld>
     <p:spTree>
@@ -4973,7 +5061,7 @@
 </p:sld>
 </file>
 
-<file path=ppt/slides/slide13.xml><?xml version="1.0" encoding="utf-8"?>
+<file path=ppt/slides/slide14.xml><?xml version="1.0" encoding="utf-8"?>
 <p:sld xmlns:a="http://schemas.openxmlformats.org/drawingml/2006/main" xmlns:r="http://schemas.openxmlformats.org/officeDocument/2006/relationships" xmlns:p="http://schemas.openxmlformats.org/presentationml/2006/main">
   <p:cSld>
     <p:spTree>
@@ -5062,7 +5150,7 @@
 </p:sld>
 </file>
 
-<file path=ppt/slides/slide14.xml><?xml version="1.0" encoding="utf-8"?>
+<file path=ppt/slides/slide15.xml><?xml version="1.0" encoding="utf-8"?>
 <p:sld xmlns:a="http://schemas.openxmlformats.org/drawingml/2006/main" xmlns:r="http://schemas.openxmlformats.org/officeDocument/2006/relationships" xmlns:p="http://schemas.openxmlformats.org/presentationml/2006/main">
   <p:cSld>
     <p:bg>
@@ -5706,7 +5794,7 @@
 </p:sld>
 </file>
 
-<file path=ppt/slides/slide15.xml><?xml version="1.0" encoding="utf-8"?>
+<file path=ppt/slides/slide16.xml><?xml version="1.0" encoding="utf-8"?>
 <p:sld xmlns:a="http://schemas.openxmlformats.org/drawingml/2006/main" xmlns:r="http://schemas.openxmlformats.org/officeDocument/2006/relationships" xmlns:p="http://schemas.openxmlformats.org/presentationml/2006/main">
   <p:cSld>
     <p:bg>
@@ -6363,7 +6451,7 @@
 </p:sld>
 </file>
 
-<file path=ppt/slides/slide16.xml><?xml version="1.0" encoding="utf-8"?>
+<file path=ppt/slides/slide17.xml><?xml version="1.0" encoding="utf-8"?>
 <p:sld xmlns:a="http://schemas.openxmlformats.org/drawingml/2006/main" xmlns:r="http://schemas.openxmlformats.org/officeDocument/2006/relationships" xmlns:p="http://schemas.openxmlformats.org/presentationml/2006/main">
   <p:cSld>
     <p:spTree>
@@ -6501,7 +6589,7 @@
 </p:sld>
 </file>
 
-<file path=ppt/slides/slide17.xml><?xml version="1.0" encoding="utf-8"?>
+<file path=ppt/slides/slide18.xml><?xml version="1.0" encoding="utf-8"?>
 <p:sld xmlns:a="http://schemas.openxmlformats.org/drawingml/2006/main" xmlns:r="http://schemas.openxmlformats.org/officeDocument/2006/relationships" xmlns:p="http://schemas.openxmlformats.org/presentationml/2006/main">
   <p:cSld>
     <p:bg>
@@ -7110,7 +7198,7 @@
 </p:sld>
 </file>
 
-<file path=ppt/slides/slide18.xml><?xml version="1.0" encoding="utf-8"?>
+<file path=ppt/slides/slide19.xml><?xml version="1.0" encoding="utf-8"?>
 <p:sld xmlns:a="http://schemas.openxmlformats.org/drawingml/2006/main" xmlns:r="http://schemas.openxmlformats.org/officeDocument/2006/relationships" xmlns:p="http://schemas.openxmlformats.org/presentationml/2006/main">
   <p:cSld>
     <p:bg>
@@ -7759,7 +7847,453 @@
 </p:sld>
 </file>
 
-<file path=ppt/slides/slide19.xml><?xml version="1.0" encoding="utf-8"?>
+<file path=ppt/slides/slide2.xml><?xml version="1.0" encoding="utf-8"?>
+<p:sld xmlns:a="http://schemas.openxmlformats.org/drawingml/2006/main" xmlns:r="http://schemas.openxmlformats.org/officeDocument/2006/relationships" xmlns:p="http://schemas.openxmlformats.org/presentationml/2006/main">
+  <p:cSld>
+    <p:bg>
+      <p:bgPr>
+        <a:solidFill>
+          <a:schemeClr val="bg1"/>
+        </a:solidFill>
+        <a:effectLst/>
+      </p:bgPr>
+    </p:bg>
+    <p:spTree>
+      <p:nvGrpSpPr>
+        <p:cNvPr id="1" name="">
+          <a:extLst>
+            <a:ext uri="{FF2B5EF4-FFF2-40B4-BE49-F238E27FC236}">
+              <a16:creationId xmlns:a16="http://schemas.microsoft.com/office/drawing/2014/main" id="{F9EA3492-CFD8-6149-FAA4-BB6E90C2613C}"/>
+            </a:ext>
+          </a:extLst>
+        </p:cNvPr>
+        <p:cNvGrpSpPr/>
+        <p:nvPr/>
+      </p:nvGrpSpPr>
+      <p:grpSpPr>
+        <a:xfrm>
+          <a:off x="0" y="0"/>
+          <a:ext cx="0" cy="0"/>
+          <a:chOff x="0" y="0"/>
+          <a:chExt cx="0" cy="0"/>
+        </a:xfrm>
+      </p:grpSpPr>
+      <p:sp>
+        <p:nvSpPr>
+          <p:cNvPr id="9" name="Rectangle 8">
+            <a:extLst>
+              <a:ext uri="{FF2B5EF4-FFF2-40B4-BE49-F238E27FC236}">
+                <a16:creationId xmlns:a16="http://schemas.microsoft.com/office/drawing/2014/main" id="{8DB7C54C-D51F-B10F-0C4A-98D4B0970D04}"/>
+              </a:ext>
+              <a:ext uri="{C183D7F6-B498-43B3-948B-1728B52AA6E4}">
+                <adec:decorative xmlns:adec="http://schemas.microsoft.com/office/drawing/2017/decorative" val="1"/>
+              </a:ext>
+            </a:extLst>
+          </p:cNvPr>
+          <p:cNvSpPr>
+            <a:spLocks noGrp="1" noRot="1" noChangeAspect="1" noMove="1" noResize="1" noEditPoints="1" noAdjustHandles="1" noChangeArrowheads="1" noChangeShapeType="1" noTextEdit="1"/>
+          </p:cNvSpPr>
+          <p:nvPr>
+            <p:extLst>
+              <p:ext uri="{386F3935-93C4-4BCD-93E2-E3B085C9AB24}">
+                <p16:designElem xmlns:p16="http://schemas.microsoft.com/office/powerpoint/2015/main" val="1"/>
+              </p:ext>
+            </p:extLst>
+          </p:nvPr>
+        </p:nvSpPr>
+        <p:spPr>
+          <a:xfrm>
+            <a:off x="0" y="0"/>
+            <a:ext cx="12192000" cy="6858000"/>
+          </a:xfrm>
+          <a:prstGeom prst="rect">
+            <a:avLst/>
+          </a:prstGeom>
+          <a:solidFill>
+            <a:schemeClr val="bg1"/>
+          </a:solidFill>
+          <a:ln w="12700" cap="flat" cmpd="sng" algn="ctr">
+            <a:noFill/>
+            <a:prstDash val="solid"/>
+            <a:miter lim="800000"/>
+          </a:ln>
+          <a:effectLst/>
+          <a:extLst>
+            <a:ext uri="{91240B29-F687-4F45-9708-019B960494DF}">
+              <a14:hiddenLine xmlns:a14="http://schemas.microsoft.com/office/drawing/2010/main" w="12700" cap="flat" cmpd="sng" algn="ctr">
+                <a:solidFill>
+                  <a:schemeClr val="accent1">
+                    <a:shade val="15000"/>
+                  </a:schemeClr>
+                </a:solidFill>
+                <a:prstDash val="solid"/>
+                <a:miter lim="800000"/>
+              </a14:hiddenLine>
+            </a:ext>
+          </a:extLst>
+        </p:spPr>
+        <p:style>
+          <a:lnRef idx="2">
+            <a:schemeClr val="accent1">
+              <a:shade val="15000"/>
+            </a:schemeClr>
+          </a:lnRef>
+          <a:fillRef idx="1">
+            <a:schemeClr val="accent1"/>
+          </a:fillRef>
+          <a:effectRef idx="0">
+            <a:schemeClr val="accent1"/>
+          </a:effectRef>
+          <a:fontRef idx="minor">
+            <a:schemeClr val="lt1"/>
+          </a:fontRef>
+        </p:style>
+        <p:txBody>
+          <a:bodyPr rtlCol="0" anchor="ctr"/>
+          <a:lstStyle/>
+          <a:p>
+            <a:pPr marL="0" marR="0" lvl="0" indent="0" algn="ctr" defTabSz="914400" rtl="0" eaLnBrk="1" fontAlgn="auto" latinLnBrk="0" hangingPunct="1">
+              <a:lnSpc>
+                <a:spcPct val="100000"/>
+              </a:lnSpc>
+              <a:spcBef>
+                <a:spcPts val="0"/>
+              </a:spcBef>
+              <a:spcAft>
+                <a:spcPts val="0"/>
+              </a:spcAft>
+              <a:buClrTx/>
+              <a:buSzTx/>
+              <a:buFontTx/>
+              <a:buNone/>
+              <a:tabLst/>
+              <a:defRPr/>
+            </a:pPr>
+            <a:endParaRPr kumimoji="0" lang="en-US" sz="1800" b="0" i="0" u="none" strike="noStrike" kern="1200" cap="none" spc="0" normalizeH="0" baseline="0" noProof="0">
+              <a:ln>
+                <a:noFill/>
+              </a:ln>
+              <a:solidFill>
+                <a:prstClr val="white"/>
+              </a:solidFill>
+              <a:effectLst/>
+              <a:uLnTx/>
+              <a:uFillTx/>
+              <a:latin typeface="Bierstadt"/>
+              <a:ea typeface="+mn-ea"/>
+              <a:cs typeface="+mn-cs"/>
+            </a:endParaRPr>
+          </a:p>
+        </p:txBody>
+      </p:sp>
+      <p:pic>
+        <p:nvPicPr>
+          <p:cNvPr id="4" name="Picture 3" descr="An abstract genetic concept">
+            <a:extLst>
+              <a:ext uri="{FF2B5EF4-FFF2-40B4-BE49-F238E27FC236}">
+                <a16:creationId xmlns:a16="http://schemas.microsoft.com/office/drawing/2014/main" id="{9FD309E9-AA17-1955-5119-0461E307E141}"/>
+              </a:ext>
+            </a:extLst>
+          </p:cNvPr>
+          <p:cNvPicPr>
+            <a:picLocks noChangeAspect="1"/>
+          </p:cNvPicPr>
+          <p:nvPr/>
+        </p:nvPicPr>
+        <p:blipFill>
+          <a:blip r:embed="rId2"/>
+          <a:srcRect t="25613" b="18137"/>
+          <a:stretch/>
+        </p:blipFill>
+        <p:spPr>
+          <a:xfrm>
+            <a:off x="20" y="10"/>
+            <a:ext cx="12191980" cy="6857990"/>
+          </a:xfrm>
+          <a:prstGeom prst="rect">
+            <a:avLst/>
+          </a:prstGeom>
+        </p:spPr>
+      </p:pic>
+      <p:sp>
+        <p:nvSpPr>
+          <p:cNvPr id="11" name="Frame 10">
+            <a:extLst>
+              <a:ext uri="{FF2B5EF4-FFF2-40B4-BE49-F238E27FC236}">
+                <a16:creationId xmlns:a16="http://schemas.microsoft.com/office/drawing/2014/main" id="{953E873F-3277-EF28-D50A-33130C6B831B}"/>
+              </a:ext>
+              <a:ext uri="{C183D7F6-B498-43B3-948B-1728B52AA6E4}">
+                <adec:decorative xmlns:adec="http://schemas.microsoft.com/office/drawing/2017/decorative" val="1"/>
+              </a:ext>
+            </a:extLst>
+          </p:cNvPr>
+          <p:cNvSpPr>
+            <a:spLocks noGrp="1" noRot="1" noChangeAspect="1" noMove="1" noResize="1" noEditPoints="1" noAdjustHandles="1" noChangeArrowheads="1" noChangeShapeType="1" noTextEdit="1"/>
+          </p:cNvSpPr>
+          <p:nvPr>
+            <p:extLst>
+              <p:ext uri="{386F3935-93C4-4BCD-93E2-E3B085C9AB24}">
+                <p16:designElem xmlns:p16="http://schemas.microsoft.com/office/powerpoint/2015/main" val="1"/>
+              </p:ext>
+            </p:extLst>
+          </p:nvPr>
+        </p:nvSpPr>
+        <p:spPr>
+          <a:xfrm>
+            <a:off x="94488" y="166301"/>
+            <a:ext cx="12003024" cy="5245240"/>
+          </a:xfrm>
+          <a:prstGeom prst="frame">
+            <a:avLst>
+              <a:gd name="adj1" fmla="val 8000"/>
+            </a:avLst>
+          </a:prstGeom>
+          <a:solidFill>
+            <a:schemeClr val="accent4"/>
+          </a:solidFill>
+          <a:ln w="12700" cap="flat" cmpd="sng" algn="ctr">
+            <a:noFill/>
+            <a:prstDash val="solid"/>
+            <a:miter lim="800000"/>
+          </a:ln>
+          <a:effectLst/>
+          <a:extLst>
+            <a:ext uri="{91240B29-F687-4F45-9708-019B960494DF}">
+              <a14:hiddenLine xmlns:a14="http://schemas.microsoft.com/office/drawing/2010/main" w="12700" cap="flat" cmpd="sng" algn="ctr">
+                <a:solidFill>
+                  <a:schemeClr val="accent1">
+                    <a:shade val="15000"/>
+                  </a:schemeClr>
+                </a:solidFill>
+                <a:prstDash val="solid"/>
+                <a:miter lim="800000"/>
+              </a14:hiddenLine>
+            </a:ext>
+          </a:extLst>
+        </p:spPr>
+        <p:style>
+          <a:lnRef idx="2">
+            <a:schemeClr val="accent1">
+              <a:shade val="15000"/>
+            </a:schemeClr>
+          </a:lnRef>
+          <a:fillRef idx="1">
+            <a:schemeClr val="accent1"/>
+          </a:fillRef>
+          <a:effectRef idx="0">
+            <a:schemeClr val="accent1"/>
+          </a:effectRef>
+          <a:fontRef idx="minor">
+            <a:schemeClr val="lt1"/>
+          </a:fontRef>
+        </p:style>
+        <p:txBody>
+          <a:bodyPr rtlCol="0" anchor="ctr"/>
+          <a:lstStyle/>
+          <a:p>
+            <a:pPr algn="ctr"/>
+            <a:endParaRPr lang="en-US">
+              <a:solidFill>
+                <a:schemeClr val="tx1"/>
+              </a:solidFill>
+            </a:endParaRPr>
+          </a:p>
+        </p:txBody>
+      </p:sp>
+      <p:sp>
+        <p:nvSpPr>
+          <p:cNvPr id="13" name="Rectangle 12">
+            <a:extLst>
+              <a:ext uri="{FF2B5EF4-FFF2-40B4-BE49-F238E27FC236}">
+                <a16:creationId xmlns:a16="http://schemas.microsoft.com/office/drawing/2014/main" id="{558734C8-08AF-8F5C-AB0E-51AC61ACBBD5}"/>
+              </a:ext>
+              <a:ext uri="{C183D7F6-B498-43B3-948B-1728B52AA6E4}">
+                <adec:decorative xmlns:adec="http://schemas.microsoft.com/office/drawing/2017/decorative" val="1"/>
+              </a:ext>
+            </a:extLst>
+          </p:cNvPr>
+          <p:cNvSpPr>
+            <a:spLocks noGrp="1" noRot="1" noChangeAspect="1" noMove="1" noResize="1" noEditPoints="1" noAdjustHandles="1" noChangeArrowheads="1" noChangeShapeType="1" noTextEdit="1"/>
+          </p:cNvSpPr>
+          <p:nvPr>
+            <p:extLst>
+              <p:ext uri="{386F3935-93C4-4BCD-93E2-E3B085C9AB24}">
+                <p16:designElem xmlns:p16="http://schemas.microsoft.com/office/powerpoint/2015/main" val="1"/>
+              </p:ext>
+            </p:extLst>
+          </p:nvPr>
+        </p:nvSpPr>
+        <p:spPr>
+          <a:xfrm>
+            <a:off x="0" y="5577840"/>
+            <a:ext cx="12191999" cy="1280160"/>
+          </a:xfrm>
+          <a:prstGeom prst="rect">
+            <a:avLst/>
+          </a:prstGeom>
+          <a:solidFill>
+            <a:schemeClr val="bg1">
+              <a:alpha val="28000"/>
+            </a:schemeClr>
+          </a:solidFill>
+          <a:ln>
+            <a:noFill/>
+          </a:ln>
+        </p:spPr>
+        <p:style>
+          <a:lnRef idx="2">
+            <a:schemeClr val="accent1">
+              <a:shade val="50000"/>
+            </a:schemeClr>
+          </a:lnRef>
+          <a:fillRef idx="1">
+            <a:schemeClr val="accent1"/>
+          </a:fillRef>
+          <a:effectRef idx="0">
+            <a:schemeClr val="accent1"/>
+          </a:effectRef>
+          <a:fontRef idx="minor">
+            <a:schemeClr val="lt1"/>
+          </a:fontRef>
+        </p:style>
+        <p:txBody>
+          <a:bodyPr rtlCol="0" anchor="ctr"/>
+          <a:lstStyle/>
+          <a:p>
+            <a:pPr marL="0" marR="0" lvl="0" indent="0" algn="ctr" defTabSz="914400" rtl="0" eaLnBrk="1" fontAlgn="auto" latinLnBrk="0" hangingPunct="1">
+              <a:lnSpc>
+                <a:spcPct val="100000"/>
+              </a:lnSpc>
+              <a:spcBef>
+                <a:spcPts val="0"/>
+              </a:spcBef>
+              <a:spcAft>
+                <a:spcPts val="0"/>
+              </a:spcAft>
+              <a:buClrTx/>
+              <a:buSzTx/>
+              <a:buFontTx/>
+              <a:buNone/>
+              <a:tabLst/>
+              <a:defRPr/>
+            </a:pPr>
+            <a:endParaRPr kumimoji="0" lang="en-US" sz="1800" b="0" i="0" u="none" strike="noStrike" kern="1200" cap="none" spc="0" normalizeH="0" baseline="0" noProof="0">
+              <a:ln>
+                <a:noFill/>
+              </a:ln>
+              <a:solidFill>
+                <a:prstClr val="white"/>
+              </a:solidFill>
+              <a:effectLst/>
+              <a:uLnTx/>
+              <a:uFillTx/>
+              <a:latin typeface="Bierstadt"/>
+              <a:ea typeface="+mn-ea"/>
+              <a:cs typeface="+mn-cs"/>
+            </a:endParaRPr>
+          </a:p>
+        </p:txBody>
+      </p:sp>
+      <p:sp>
+        <p:nvSpPr>
+          <p:cNvPr id="2" name="Title 1">
+            <a:extLst>
+              <a:ext uri="{FF2B5EF4-FFF2-40B4-BE49-F238E27FC236}">
+                <a16:creationId xmlns:a16="http://schemas.microsoft.com/office/drawing/2014/main" id="{34D62D0C-DDD7-064A-3A93-14C56D2A0869}"/>
+              </a:ext>
+            </a:extLst>
+          </p:cNvPr>
+          <p:cNvSpPr>
+            <a:spLocks noGrp="1"/>
+          </p:cNvSpPr>
+          <p:nvPr>
+            <p:ph type="ctrTitle"/>
+          </p:nvPr>
+        </p:nvSpPr>
+        <p:spPr>
+          <a:xfrm>
+            <a:off x="194716" y="5731580"/>
+            <a:ext cx="10263655" cy="960120"/>
+          </a:xfrm>
+          <a:ln>
+            <a:noFill/>
+          </a:ln>
+        </p:spPr>
+        <p:txBody>
+          <a:bodyPr anchor="ctr">
+            <a:normAutofit/>
+          </a:bodyPr>
+          <a:lstStyle/>
+          <a:p>
+            <a:r>
+              <a:rPr lang="en-US" sz="4400" dirty="0"/>
+              <a:t>An Introduction to World Models</a:t>
+            </a:r>
+          </a:p>
+        </p:txBody>
+      </p:sp>
+      <p:sp>
+        <p:nvSpPr>
+          <p:cNvPr id="3" name="Subtitle 2">
+            <a:extLst>
+              <a:ext uri="{FF2B5EF4-FFF2-40B4-BE49-F238E27FC236}">
+                <a16:creationId xmlns:a16="http://schemas.microsoft.com/office/drawing/2014/main" id="{F0A1E53B-9101-D920-9221-D6286AFC263A}"/>
+              </a:ext>
+            </a:extLst>
+          </p:cNvPr>
+          <p:cNvSpPr>
+            <a:spLocks noGrp="1"/>
+          </p:cNvSpPr>
+          <p:nvPr>
+            <p:ph type="subTitle" idx="1"/>
+          </p:nvPr>
+        </p:nvSpPr>
+        <p:spPr>
+          <a:xfrm>
+            <a:off x="8604503" y="5731580"/>
+            <a:ext cx="3392781" cy="960120"/>
+          </a:xfrm>
+        </p:spPr>
+        <p:txBody>
+          <a:bodyPr anchor="ctr">
+            <a:normAutofit lnSpcReduction="10000"/>
+          </a:bodyPr>
+          <a:lstStyle/>
+          <a:p>
+            <a:pPr algn="r"/>
+            <a:r>
+              <a:rPr lang="en-US" sz="2400" dirty="0"/>
+              <a:t>Kiya </a:t>
+            </a:r>
+            <a:r>
+              <a:rPr lang="en-US" sz="2400" dirty="0" err="1"/>
+              <a:t>Aminfar</a:t>
+            </a:r>
+            <a:endParaRPr lang="en-US" sz="2400" dirty="0"/>
+          </a:p>
+          <a:p>
+            <a:pPr algn="r"/>
+            <a:r>
+              <a:rPr lang="en-US" sz="2400" dirty="0"/>
+              <a:t>Sean Steinle</a:t>
+            </a:r>
+          </a:p>
+        </p:txBody>
+      </p:sp>
+    </p:spTree>
+    <p:extLst>
+      <p:ext uri="{BB962C8B-B14F-4D97-AF65-F5344CB8AC3E}">
+        <p14:creationId xmlns:p14="http://schemas.microsoft.com/office/powerpoint/2010/main" val="3307038691"/>
+      </p:ext>
+    </p:extLst>
+  </p:cSld>
+  <p:clrMapOvr>
+    <a:overrideClrMapping bg1="dk1" tx1="lt1" bg2="dk2" tx2="lt2" accent1="accent1" accent2="accent2" accent3="accent3" accent4="accent4" accent5="accent5" accent6="accent6" hlink="hlink" folHlink="folHlink"/>
+  </p:clrMapOvr>
+</p:sld>
+</file>
+
+<file path=ppt/slides/slide20.xml><?xml version="1.0" encoding="utf-8"?>
 <p:sld xmlns:a="http://schemas.openxmlformats.org/drawingml/2006/main" xmlns:r="http://schemas.openxmlformats.org/officeDocument/2006/relationships" xmlns:p="http://schemas.openxmlformats.org/presentationml/2006/main">
   <p:cSld>
     <p:bg>
@@ -8408,123 +8942,7 @@
 </p:sld>
 </file>
 
-<file path=ppt/slides/slide2.xml><?xml version="1.0" encoding="utf-8"?>
-<p:sld xmlns:a="http://schemas.openxmlformats.org/drawingml/2006/main" xmlns:r="http://schemas.openxmlformats.org/officeDocument/2006/relationships" xmlns:p="http://schemas.openxmlformats.org/presentationml/2006/main">
-  <p:cSld>
-    <p:spTree>
-      <p:nvGrpSpPr>
-        <p:cNvPr id="1" name=""/>
-        <p:cNvGrpSpPr/>
-        <p:nvPr/>
-      </p:nvGrpSpPr>
-      <p:grpSpPr>
-        <a:xfrm>
-          <a:off x="0" y="0"/>
-          <a:ext cx="0" cy="0"/>
-          <a:chOff x="0" y="0"/>
-          <a:chExt cx="0" cy="0"/>
-        </a:xfrm>
-      </p:grpSpPr>
-      <p:sp>
-        <p:nvSpPr>
-          <p:cNvPr id="2" name="Title 1">
-            <a:extLst>
-              <a:ext uri="{FF2B5EF4-FFF2-40B4-BE49-F238E27FC236}">
-                <a16:creationId xmlns:a16="http://schemas.microsoft.com/office/drawing/2014/main" id="{42DBD28E-2B50-B6FC-D4A6-DD0AC10D5826}"/>
-              </a:ext>
-            </a:extLst>
-          </p:cNvPr>
-          <p:cNvSpPr>
-            <a:spLocks noGrp="1"/>
-          </p:cNvSpPr>
-          <p:nvPr>
-            <p:ph type="title"/>
-          </p:nvPr>
-        </p:nvSpPr>
-        <p:spPr/>
-        <p:txBody>
-          <a:bodyPr/>
-          <a:lstStyle/>
-          <a:p>
-            <a:r>
-              <a:rPr lang="en-US" dirty="0"/>
-              <a:t>Agenda</a:t>
-            </a:r>
-          </a:p>
-        </p:txBody>
-      </p:sp>
-      <p:sp>
-        <p:nvSpPr>
-          <p:cNvPr id="3" name="Content Placeholder 2">
-            <a:extLst>
-              <a:ext uri="{FF2B5EF4-FFF2-40B4-BE49-F238E27FC236}">
-                <a16:creationId xmlns:a16="http://schemas.microsoft.com/office/drawing/2014/main" id="{07C60B05-6FA3-69B4-1161-DFBDC96E9F18}"/>
-              </a:ext>
-            </a:extLst>
-          </p:cNvPr>
-          <p:cNvSpPr>
-            <a:spLocks noGrp="1"/>
-          </p:cNvSpPr>
-          <p:nvPr>
-            <p:ph idx="1"/>
-          </p:nvPr>
-        </p:nvSpPr>
-        <p:spPr/>
-        <p:txBody>
-          <a:bodyPr/>
-          <a:lstStyle/>
-          <a:p>
-            <a:r>
-              <a:rPr lang="en-US" dirty="0"/>
-              <a:t>Motivating World Models</a:t>
-            </a:r>
-          </a:p>
-          <a:p>
-            <a:r>
-              <a:rPr lang="en-US" dirty="0"/>
-              <a:t>World Model Components</a:t>
-            </a:r>
-          </a:p>
-          <a:p>
-            <a:r>
-              <a:rPr lang="en-US" dirty="0"/>
-              <a:t>Applications of World Models</a:t>
-            </a:r>
-          </a:p>
-          <a:p>
-            <a:r>
-              <a:rPr lang="en-US" dirty="0"/>
-              <a:t>World Models Today</a:t>
-            </a:r>
-          </a:p>
-          <a:p>
-            <a:r>
-              <a:rPr lang="en-US" dirty="0"/>
-              <a:t>Q&amp;A</a:t>
-            </a:r>
-          </a:p>
-          <a:p>
-            <a:pPr marL="0" indent="0">
-              <a:buNone/>
-            </a:pPr>
-            <a:endParaRPr lang="en-US" dirty="0"/>
-          </a:p>
-        </p:txBody>
-      </p:sp>
-    </p:spTree>
-    <p:extLst>
-      <p:ext uri="{BB962C8B-B14F-4D97-AF65-F5344CB8AC3E}">
-        <p14:creationId xmlns:p14="http://schemas.microsoft.com/office/powerpoint/2010/main" val="2187165720"/>
-      </p:ext>
-    </p:extLst>
-  </p:cSld>
-  <p:clrMapOvr>
-    <a:masterClrMapping/>
-  </p:clrMapOvr>
-</p:sld>
-</file>
-
-<file path=ppt/slides/slide20.xml><?xml version="1.0" encoding="utf-8"?>
+<file path=ppt/slides/slide21.xml><?xml version="1.0" encoding="utf-8"?>
 <p:sld xmlns:a="http://schemas.openxmlformats.org/drawingml/2006/main" xmlns:r="http://schemas.openxmlformats.org/officeDocument/2006/relationships" xmlns:p="http://schemas.openxmlformats.org/presentationml/2006/main">
   <p:cSld>
     <p:bg>
@@ -9171,6 +9589,122 @@
 <file path=ppt/slides/slide3.xml><?xml version="1.0" encoding="utf-8"?>
 <p:sld xmlns:a="http://schemas.openxmlformats.org/drawingml/2006/main" xmlns:r="http://schemas.openxmlformats.org/officeDocument/2006/relationships" xmlns:p="http://schemas.openxmlformats.org/presentationml/2006/main">
   <p:cSld>
+    <p:spTree>
+      <p:nvGrpSpPr>
+        <p:cNvPr id="1" name=""/>
+        <p:cNvGrpSpPr/>
+        <p:nvPr/>
+      </p:nvGrpSpPr>
+      <p:grpSpPr>
+        <a:xfrm>
+          <a:off x="0" y="0"/>
+          <a:ext cx="0" cy="0"/>
+          <a:chOff x="0" y="0"/>
+          <a:chExt cx="0" cy="0"/>
+        </a:xfrm>
+      </p:grpSpPr>
+      <p:sp>
+        <p:nvSpPr>
+          <p:cNvPr id="2" name="Title 1">
+            <a:extLst>
+              <a:ext uri="{FF2B5EF4-FFF2-40B4-BE49-F238E27FC236}">
+                <a16:creationId xmlns:a16="http://schemas.microsoft.com/office/drawing/2014/main" id="{42DBD28E-2B50-B6FC-D4A6-DD0AC10D5826}"/>
+              </a:ext>
+            </a:extLst>
+          </p:cNvPr>
+          <p:cNvSpPr>
+            <a:spLocks noGrp="1"/>
+          </p:cNvSpPr>
+          <p:nvPr>
+            <p:ph type="title"/>
+          </p:nvPr>
+        </p:nvSpPr>
+        <p:spPr/>
+        <p:txBody>
+          <a:bodyPr/>
+          <a:lstStyle/>
+          <a:p>
+            <a:r>
+              <a:rPr lang="en-US" dirty="0"/>
+              <a:t>Agenda</a:t>
+            </a:r>
+          </a:p>
+        </p:txBody>
+      </p:sp>
+      <p:sp>
+        <p:nvSpPr>
+          <p:cNvPr id="3" name="Content Placeholder 2">
+            <a:extLst>
+              <a:ext uri="{FF2B5EF4-FFF2-40B4-BE49-F238E27FC236}">
+                <a16:creationId xmlns:a16="http://schemas.microsoft.com/office/drawing/2014/main" id="{07C60B05-6FA3-69B4-1161-DFBDC96E9F18}"/>
+              </a:ext>
+            </a:extLst>
+          </p:cNvPr>
+          <p:cNvSpPr>
+            <a:spLocks noGrp="1"/>
+          </p:cNvSpPr>
+          <p:nvPr>
+            <p:ph idx="1"/>
+          </p:nvPr>
+        </p:nvSpPr>
+        <p:spPr/>
+        <p:txBody>
+          <a:bodyPr/>
+          <a:lstStyle/>
+          <a:p>
+            <a:r>
+              <a:rPr lang="en-US" dirty="0"/>
+              <a:t>Motivating World Models</a:t>
+            </a:r>
+          </a:p>
+          <a:p>
+            <a:r>
+              <a:rPr lang="en-US" dirty="0"/>
+              <a:t>World Model Components</a:t>
+            </a:r>
+          </a:p>
+          <a:p>
+            <a:r>
+              <a:rPr lang="en-US" dirty="0"/>
+              <a:t>Applications of World Models</a:t>
+            </a:r>
+          </a:p>
+          <a:p>
+            <a:r>
+              <a:rPr lang="en-US" dirty="0"/>
+              <a:t>World Models Today</a:t>
+            </a:r>
+          </a:p>
+          <a:p>
+            <a:r>
+              <a:rPr lang="en-US" dirty="0"/>
+              <a:t>Q&amp;A</a:t>
+            </a:r>
+          </a:p>
+          <a:p>
+            <a:pPr marL="0" indent="0">
+              <a:buNone/>
+            </a:pPr>
+            <a:endParaRPr lang="en-US" dirty="0"/>
+          </a:p>
+        </p:txBody>
+      </p:sp>
+    </p:spTree>
+    <p:extLst>
+      <p:ext uri="{BB962C8B-B14F-4D97-AF65-F5344CB8AC3E}">
+        <p14:creationId xmlns:p14="http://schemas.microsoft.com/office/powerpoint/2010/main" val="2187165720"/>
+      </p:ext>
+    </p:extLst>
+  </p:cSld>
+  <p:clrMapOvr>
+    <a:masterClrMapping/>
+  </p:clrMapOvr>
+</p:sld>
+</file>
+
+<file path=ppt/slides/slide4.xml><?xml version="1.0" encoding="utf-8"?>
+<p:sld xmlns:a="http://schemas.openxmlformats.org/drawingml/2006/main" xmlns:r="http://schemas.openxmlformats.org/officeDocument/2006/relationships" xmlns:p="http://schemas.openxmlformats.org/presentationml/2006/main">
+  <p:cSld>
     <p:bg>
       <p:bgPr>
         <a:solidFill>
@@ -9806,7 +10340,7 @@
 </p:sld>
 </file>
 
-<file path=ppt/slides/slide4.xml><?xml version="1.0" encoding="utf-8"?>
+<file path=ppt/slides/slide5.xml><?xml version="1.0" encoding="utf-8"?>
 <p:sld xmlns:a="http://schemas.openxmlformats.org/drawingml/2006/main" xmlns:r="http://schemas.openxmlformats.org/officeDocument/2006/relationships" xmlns:p="http://schemas.openxmlformats.org/presentationml/2006/main">
   <p:cSld>
     <p:bg>
@@ -10450,7 +10984,7 @@
 </p:sld>
 </file>
 
-<file path=ppt/slides/slide5.xml><?xml version="1.0" encoding="utf-8"?>
+<file path=ppt/slides/slide6.xml><?xml version="1.0" encoding="utf-8"?>
 <p:sld xmlns:a="http://schemas.openxmlformats.org/drawingml/2006/main" xmlns:r="http://schemas.openxmlformats.org/officeDocument/2006/relationships" xmlns:p="http://schemas.openxmlformats.org/presentationml/2006/main">
   <p:cSld>
     <p:spTree>
@@ -10539,7 +11073,7 @@
 </p:sld>
 </file>
 
-<file path=ppt/slides/slide6.xml><?xml version="1.0" encoding="utf-8"?>
+<file path=ppt/slides/slide7.xml><?xml version="1.0" encoding="utf-8"?>
 <p:sld xmlns:a="http://schemas.openxmlformats.org/drawingml/2006/main" xmlns:r="http://schemas.openxmlformats.org/officeDocument/2006/relationships" xmlns:p="http://schemas.openxmlformats.org/presentationml/2006/main">
   <p:cSld>
     <p:spTree>
@@ -10628,7 +11162,7 @@
 </p:sld>
 </file>
 
-<file path=ppt/slides/slide7.xml><?xml version="1.0" encoding="utf-8"?>
+<file path=ppt/slides/slide8.xml><?xml version="1.0" encoding="utf-8"?>
 <p:sld xmlns:a="http://schemas.openxmlformats.org/drawingml/2006/main" xmlns:r="http://schemas.openxmlformats.org/officeDocument/2006/relationships" xmlns:p="http://schemas.openxmlformats.org/presentationml/2006/main">
   <p:cSld>
     <p:spTree>
@@ -10711,7 +11245,7 @@
 </p:sld>
 </file>
 
-<file path=ppt/slides/slide8.xml><?xml version="1.0" encoding="utf-8"?>
+<file path=ppt/slides/slide9.xml><?xml version="1.0" encoding="utf-8"?>
 <p:sld xmlns:a="http://schemas.openxmlformats.org/drawingml/2006/main" xmlns:r="http://schemas.openxmlformats.org/officeDocument/2006/relationships" xmlns:p="http://schemas.openxmlformats.org/presentationml/2006/main">
   <p:cSld>
     <p:bg>
@@ -11346,89 +11880,6 @@
     <p:extLst>
       <p:ext uri="{BB962C8B-B14F-4D97-AF65-F5344CB8AC3E}">
         <p14:creationId xmlns:p14="http://schemas.microsoft.com/office/powerpoint/2010/main" val="72072996"/>
-      </p:ext>
-    </p:extLst>
-  </p:cSld>
-  <p:clrMapOvr>
-    <a:masterClrMapping/>
-  </p:clrMapOvr>
-</p:sld>
-</file>
-
-<file path=ppt/slides/slide9.xml><?xml version="1.0" encoding="utf-8"?>
-<p:sld xmlns:a="http://schemas.openxmlformats.org/drawingml/2006/main" xmlns:r="http://schemas.openxmlformats.org/officeDocument/2006/relationships" xmlns:p="http://schemas.openxmlformats.org/presentationml/2006/main">
-  <p:cSld>
-    <p:spTree>
-      <p:nvGrpSpPr>
-        <p:cNvPr id="1" name=""/>
-        <p:cNvGrpSpPr/>
-        <p:nvPr/>
-      </p:nvGrpSpPr>
-      <p:grpSpPr>
-        <a:xfrm>
-          <a:off x="0" y="0"/>
-          <a:ext cx="0" cy="0"/>
-          <a:chOff x="0" y="0"/>
-          <a:chExt cx="0" cy="0"/>
-        </a:xfrm>
-      </p:grpSpPr>
-      <p:sp>
-        <p:nvSpPr>
-          <p:cNvPr id="6" name="Title 5">
-            <a:extLst>
-              <a:ext uri="{FF2B5EF4-FFF2-40B4-BE49-F238E27FC236}">
-                <a16:creationId xmlns:a16="http://schemas.microsoft.com/office/drawing/2014/main" id="{68F6A75A-61ED-A2F8-7AFC-A2A85E9F08D9}"/>
-              </a:ext>
-            </a:extLst>
-          </p:cNvPr>
-          <p:cNvSpPr>
-            <a:spLocks noGrp="1"/>
-          </p:cNvSpPr>
-          <p:nvPr>
-            <p:ph type="title"/>
-          </p:nvPr>
-        </p:nvSpPr>
-        <p:spPr/>
-        <p:txBody>
-          <a:bodyPr/>
-          <a:lstStyle/>
-          <a:p>
-            <a:r>
-              <a:rPr lang="en-US" dirty="0"/>
-              <a:t>Dreaming in Atari</a:t>
-            </a:r>
-          </a:p>
-        </p:txBody>
-      </p:sp>
-      <p:sp>
-        <p:nvSpPr>
-          <p:cNvPr id="7" name="Content Placeholder 6">
-            <a:extLst>
-              <a:ext uri="{FF2B5EF4-FFF2-40B4-BE49-F238E27FC236}">
-                <a16:creationId xmlns:a16="http://schemas.microsoft.com/office/drawing/2014/main" id="{995B7FEB-6B95-7FAB-882B-0FD83D78B459}"/>
-              </a:ext>
-            </a:extLst>
-          </p:cNvPr>
-          <p:cNvSpPr>
-            <a:spLocks noGrp="1"/>
-          </p:cNvSpPr>
-          <p:nvPr>
-            <p:ph idx="1"/>
-          </p:nvPr>
-        </p:nvSpPr>
-        <p:spPr/>
-        <p:txBody>
-          <a:bodyPr/>
-          <a:lstStyle/>
-          <a:p>
-            <a:endParaRPr lang="en-US"/>
-          </a:p>
-        </p:txBody>
-      </p:sp>
-    </p:spTree>
-    <p:extLst>
-      <p:ext uri="{BB962C8B-B14F-4D97-AF65-F5344CB8AC3E}">
-        <p14:creationId xmlns:p14="http://schemas.microsoft.com/office/powerpoint/2010/main" val="1835086324"/>
       </p:ext>
     </p:extLst>
   </p:cSld>
